--- a/2022_Workshop_Day2.pptx
+++ b/2022_Workshop_Day2.pptx
@@ -33718,7 +33718,7 @@
           <a:p>
             <a:fld id="{E241FEA8-79DD-400C-8081-26958518A088}" type="datetime1">
               <a:rPr lang="en-SG" smtClean="0"/>
-              <a:t>8/9/22</a:t>
+              <a:t>19/9/22</a:t>
             </a:fld>
             <a:endParaRPr lang="en-SG"/>
           </a:p>
@@ -39738,70 +39738,6 @@
           </a:p>
         </p:txBody>
       </p:sp>
-      <p:pic>
-        <p:nvPicPr>
-          <p:cNvPr id="10" name="Picture 9">
-            <a:extLst>
-              <a:ext uri="{FF2B5EF4-FFF2-40B4-BE49-F238E27FC236}">
-                <a16:creationId xmlns:a16="http://schemas.microsoft.com/office/drawing/2014/main" id="{F97971E6-682E-4738-9112-701E21C1F043}"/>
-              </a:ext>
-            </a:extLst>
-          </p:cNvPr>
-          <p:cNvPicPr>
-            <a:picLocks noChangeAspect="1"/>
-          </p:cNvPicPr>
-          <p:nvPr/>
-        </p:nvPicPr>
-        <p:blipFill>
-          <a:blip r:embed="rId2" cstate="print"/>
-          <a:stretch>
-            <a:fillRect/>
-          </a:stretch>
-        </p:blipFill>
-        <p:spPr>
-          <a:xfrm>
-            <a:off x="1678577" y="34658"/>
-            <a:ext cx="5786846" cy="967258"/>
-          </a:xfrm>
-          <a:prstGeom prst="rect">
-            <a:avLst/>
-          </a:prstGeom>
-          <a:ln>
-            <a:solidFill>
-              <a:schemeClr val="tx1"/>
-            </a:solidFill>
-          </a:ln>
-        </p:spPr>
-      </p:pic>
-      <p:pic>
-        <p:nvPicPr>
-          <p:cNvPr id="11" name="Picture 10">
-            <a:extLst>
-              <a:ext uri="{FF2B5EF4-FFF2-40B4-BE49-F238E27FC236}">
-                <a16:creationId xmlns:a16="http://schemas.microsoft.com/office/drawing/2014/main" id="{85B54928-8AAF-44B5-8712-23D434B4BF97}"/>
-              </a:ext>
-            </a:extLst>
-          </p:cNvPr>
-          <p:cNvPicPr>
-            <a:picLocks noChangeAspect="1"/>
-          </p:cNvPicPr>
-          <p:nvPr/>
-        </p:nvPicPr>
-        <p:blipFill rotWithShape="1">
-          <a:blip r:embed="rId3" cstate="print"/>
-          <a:srcRect b="19781"/>
-          <a:stretch/>
-        </p:blipFill>
-        <p:spPr>
-          <a:xfrm>
-            <a:off x="408181" y="1004194"/>
-            <a:ext cx="931694" cy="956398"/>
-          </a:xfrm>
-          <a:prstGeom prst="rect">
-            <a:avLst/>
-          </a:prstGeom>
-        </p:spPr>
-      </p:pic>
       <p:sp>
         <p:nvSpPr>
           <p:cNvPr id="2" name="Slide Number Placeholder 1">
@@ -39867,9 +39803,23 @@
             <a:r>
               <a:rPr lang="en-US" sz="1500" dirty="0">
                 <a:latin typeface="arial" panose="020B0604020202020204" pitchFamily="34" charset="0"/>
-                <a:hlinkClick r:id="rId4"/>
+                <a:hlinkClick r:id="rId2"/>
               </a:rPr>
-              <a:t>Mustafaumit.oner@eng.bau.edu.tr</a:t>
+              <a:t>m</a:t>
+            </a:r>
+            <a:r>
+              <a:rPr lang="en-US" sz="1500">
+                <a:latin typeface="arial" panose="020B0604020202020204" pitchFamily="34" charset="0"/>
+                <a:hlinkClick r:id="rId2"/>
+              </a:rPr>
+              <a:t>ustafaumit</a:t>
+            </a:r>
+            <a:r>
+              <a:rPr lang="en-US" sz="1500" dirty="0">
+                <a:latin typeface="arial" panose="020B0604020202020204" pitchFamily="34" charset="0"/>
+                <a:hlinkClick r:id="rId2"/>
+              </a:rPr>
+              <a:t>.oner@eng.bau.edu.tr</a:t>
             </a:r>
             <a:endParaRPr lang="en-US" sz="1500" dirty="0">
               <a:latin typeface="arial" panose="020B0604020202020204" pitchFamily="34" charset="0"/>
@@ -39885,7 +39835,7 @@
               <a:rPr lang="en-US" sz="1500" dirty="0">
                 <a:latin typeface="arial" panose="020B0604020202020204" pitchFamily="34" charset="0"/>
                 <a:cs typeface="Arial" panose="020B0604020202020204" pitchFamily="34" charset="0"/>
-                <a:hlinkClick r:id="rId5"/>
+                <a:hlinkClick r:id="rId3"/>
               </a:rPr>
               <a:t>https://onermustafaumit.github.io</a:t>
             </a:r>
@@ -39896,66 +39846,116 @@
           </a:p>
         </p:txBody>
       </p:sp>
-      <p:pic>
-        <p:nvPicPr>
-          <p:cNvPr id="3" name="Picture 2">
+      <p:grpSp>
+        <p:nvGrpSpPr>
+          <p:cNvPr id="4" name="Group 3">
             <a:extLst>
               <a:ext uri="{FF2B5EF4-FFF2-40B4-BE49-F238E27FC236}">
-                <a16:creationId xmlns:a16="http://schemas.microsoft.com/office/drawing/2014/main" id="{4779B195-2DDF-8D38-F345-F7F884201247}"/>
+                <a16:creationId xmlns:a16="http://schemas.microsoft.com/office/drawing/2014/main" id="{E4952151-0781-9F3F-C872-5C02F7EE51A7}"/>
               </a:ext>
             </a:extLst>
           </p:cNvPr>
-          <p:cNvPicPr>
-            <a:picLocks noChangeAspect="1"/>
-          </p:cNvPicPr>
+          <p:cNvGrpSpPr/>
           <p:nvPr/>
-        </p:nvPicPr>
-        <p:blipFill>
-          <a:blip r:embed="rId6"/>
-          <a:stretch>
-            <a:fillRect/>
-          </a:stretch>
-        </p:blipFill>
-        <p:spPr>
+        </p:nvGrpSpPr>
+        <p:grpSpPr>
           <a:xfrm>
-            <a:off x="0" y="-853"/>
-            <a:ext cx="1748056" cy="967258"/>
+            <a:off x="1523997" y="134679"/>
+            <a:ext cx="5879696" cy="967258"/>
+            <a:chOff x="1325524" y="-39889"/>
+            <a:chExt cx="5879696" cy="967258"/>
           </a:xfrm>
-          <a:prstGeom prst="rect">
-            <a:avLst/>
-          </a:prstGeom>
-        </p:spPr>
-      </p:pic>
-      <p:pic>
-        <p:nvPicPr>
-          <p:cNvPr id="8" name="Picture 7">
-            <a:extLst>
-              <a:ext uri="{FF2B5EF4-FFF2-40B4-BE49-F238E27FC236}">
-                <a16:creationId xmlns:a16="http://schemas.microsoft.com/office/drawing/2014/main" id="{B01BE891-ADAF-E549-B26B-F949C01DE7C7}"/>
-              </a:ext>
-            </a:extLst>
-          </p:cNvPr>
-          <p:cNvPicPr>
-            <a:picLocks noChangeAspect="1"/>
-          </p:cNvPicPr>
-          <p:nvPr/>
-        </p:nvPicPr>
-        <p:blipFill>
-          <a:blip r:embed="rId7"/>
-          <a:stretch>
-            <a:fillRect/>
-          </a:stretch>
-        </p:blipFill>
-        <p:spPr>
-          <a:xfrm>
-            <a:off x="7560060" y="211201"/>
-            <a:ext cx="1523579" cy="543149"/>
-          </a:xfrm>
-          <a:prstGeom prst="rect">
-            <a:avLst/>
-          </a:prstGeom>
-        </p:spPr>
-      </p:pic>
+        </p:grpSpPr>
+        <p:pic>
+          <p:nvPicPr>
+            <p:cNvPr id="9" name="Picture 8">
+              <a:extLst>
+                <a:ext uri="{FF2B5EF4-FFF2-40B4-BE49-F238E27FC236}">
+                  <a16:creationId xmlns:a16="http://schemas.microsoft.com/office/drawing/2014/main" id="{8AFBD80F-23D7-F922-7A4F-FE19A9B749D1}"/>
+                </a:ext>
+              </a:extLst>
+            </p:cNvPr>
+            <p:cNvPicPr>
+              <a:picLocks noChangeAspect="1"/>
+            </p:cNvPicPr>
+            <p:nvPr/>
+          </p:nvPicPr>
+          <p:blipFill rotWithShape="1">
+            <a:blip r:embed="rId4" cstate="print"/>
+            <a:srcRect b="19781"/>
+            <a:stretch/>
+          </p:blipFill>
+          <p:spPr>
+            <a:xfrm>
+              <a:off x="3911763" y="-34459"/>
+              <a:ext cx="931694" cy="956398"/>
+            </a:xfrm>
+            <a:prstGeom prst="rect">
+              <a:avLst/>
+            </a:prstGeom>
+          </p:spPr>
+        </p:pic>
+        <p:pic>
+          <p:nvPicPr>
+            <p:cNvPr id="12" name="Picture 11">
+              <a:extLst>
+                <a:ext uri="{FF2B5EF4-FFF2-40B4-BE49-F238E27FC236}">
+                  <a16:creationId xmlns:a16="http://schemas.microsoft.com/office/drawing/2014/main" id="{F2D9651F-423D-CE22-C35B-9059116BCD1E}"/>
+                </a:ext>
+              </a:extLst>
+            </p:cNvPr>
+            <p:cNvPicPr>
+              <a:picLocks noChangeAspect="1"/>
+            </p:cNvPicPr>
+            <p:nvPr/>
+          </p:nvPicPr>
+          <p:blipFill>
+            <a:blip r:embed="rId5"/>
+            <a:stretch>
+              <a:fillRect/>
+            </a:stretch>
+          </p:blipFill>
+          <p:spPr>
+            <a:xfrm>
+              <a:off x="1325524" y="-39889"/>
+              <a:ext cx="1748056" cy="967258"/>
+            </a:xfrm>
+            <a:prstGeom prst="rect">
+              <a:avLst/>
+            </a:prstGeom>
+          </p:spPr>
+        </p:pic>
+        <p:pic>
+          <p:nvPicPr>
+            <p:cNvPr id="13" name="Picture 12">
+              <a:extLst>
+                <a:ext uri="{FF2B5EF4-FFF2-40B4-BE49-F238E27FC236}">
+                  <a16:creationId xmlns:a16="http://schemas.microsoft.com/office/drawing/2014/main" id="{0C3FE0D2-0AB2-8DDF-3564-4A57ACDF8A9D}"/>
+                </a:ext>
+              </a:extLst>
+            </p:cNvPr>
+            <p:cNvPicPr>
+              <a:picLocks noChangeAspect="1"/>
+            </p:cNvPicPr>
+            <p:nvPr/>
+          </p:nvPicPr>
+          <p:blipFill>
+            <a:blip r:embed="rId6"/>
+            <a:stretch>
+              <a:fillRect/>
+            </a:stretch>
+          </p:blipFill>
+          <p:spPr>
+            <a:xfrm>
+              <a:off x="5681641" y="172166"/>
+              <a:ext cx="1523579" cy="543149"/>
+            </a:xfrm>
+            <a:prstGeom prst="rect">
+              <a:avLst/>
+            </a:prstGeom>
+          </p:spPr>
+        </p:pic>
+      </p:grpSp>
     </p:spTree>
     <p:extLst>
       <p:ext uri="{BB962C8B-B14F-4D97-AF65-F5344CB8AC3E}">
@@ -42355,8 +42355,8 @@
           </a:prstGeom>
         </p:spPr>
       </p:pic>
-      <mc:AlternateContent xmlns:mc="http://schemas.openxmlformats.org/markup-compatibility/2006">
-        <mc:Choice xmlns:a14="http://schemas.microsoft.com/office/drawing/2010/main" Requires="a14">
+      <mc:AlternateContent xmlns:mc="http://schemas.openxmlformats.org/markup-compatibility/2006" xmlns:a14="http://schemas.microsoft.com/office/drawing/2010/main">
+        <mc:Choice Requires="a14">
           <p:sp>
             <p:nvSpPr>
               <p:cNvPr id="4" name="TextBox 3">
@@ -42469,7 +42469,7 @@
             </p:txBody>
           </p:sp>
         </mc:Choice>
-        <mc:Fallback>
+        <mc:Fallback xmlns="">
           <p:sp>
             <p:nvSpPr>
               <p:cNvPr id="4" name="TextBox 3">
